--- a/Hypothesis testing with the Northwind database.pptx
+++ b/Hypothesis testing with the Northwind database.pptx
@@ -7,13 +7,12 @@
   <p:sldIdLst>
     <p:sldId id="256" r:id="rId2"/>
     <p:sldId id="257" r:id="rId3"/>
-    <p:sldId id="258" r:id="rId4"/>
-    <p:sldId id="260" r:id="rId5"/>
-    <p:sldId id="259" r:id="rId6"/>
-    <p:sldId id="261" r:id="rId7"/>
-    <p:sldId id="264" r:id="rId8"/>
-    <p:sldId id="262" r:id="rId9"/>
-    <p:sldId id="263" r:id="rId10"/>
+    <p:sldId id="260" r:id="rId4"/>
+    <p:sldId id="259" r:id="rId5"/>
+    <p:sldId id="261" r:id="rId6"/>
+    <p:sldId id="264" r:id="rId7"/>
+    <p:sldId id="262" r:id="rId8"/>
+    <p:sldId id="263" r:id="rId9"/>
   </p:sldIdLst>
   <p:sldSz cx="9144000" cy="6858000" type="screen4x3"/>
   <p:notesSz cx="6858000" cy="9144000"/>
@@ -3078,13 +3077,7 @@
               <a:rPr lang="en-US" b="0" smtClean="0">
                 <a:effectLst/>
               </a:rPr>
-              <a:t>with </a:t>
-            </a:r>
-            <a:r>
-              <a:rPr lang="en-US" b="0" smtClean="0">
-                <a:effectLst/>
-              </a:rPr>
-              <a:t>the </a:t>
+              <a:t>with the </a:t>
             </a:r>
             <a:r>
               <a:rPr lang="en-US" b="0" dirty="0" err="1">
@@ -3787,65 +3780,54 @@
           <a:lstStyle/>
           <a:p>
             <a:r>
-              <a:rPr lang="en-US" dirty="0" smtClean="0"/>
+              <a:rPr lang="en-US" sz="2400" dirty="0" smtClean="0"/>
               <a:t>Difference </a:t>
             </a:r>
             <a:br>
-              <a:rPr lang="en-US" dirty="0" smtClean="0"/>
+              <a:rPr lang="en-US" sz="2400" dirty="0" smtClean="0"/>
             </a:br>
             <a:r>
-              <a:rPr lang="en-US" dirty="0" smtClean="0"/>
+              <a:rPr lang="en-US" sz="2400" dirty="0" smtClean="0"/>
               <a:t>between the mean</a:t>
             </a:r>
             <a:br>
-              <a:rPr lang="en-US" dirty="0" smtClean="0"/>
+              <a:rPr lang="en-US" sz="2400" dirty="0" smtClean="0"/>
             </a:br>
             <a:r>
-              <a:rPr lang="en-US" dirty="0" smtClean="0"/>
-              <a:t>sales by quantity</a:t>
+              <a:rPr lang="en-US" sz="2400" dirty="0" smtClean="0"/>
+              <a:t>sales </a:t>
+            </a:r>
+            <a:r>
+              <a:rPr lang="en-US" sz="2400" dirty="0" smtClean="0"/>
+              <a:t>of </a:t>
+            </a:r>
+            <a:r>
+              <a:rPr lang="en-US" sz="2400" dirty="0" smtClean="0"/>
+              <a:t>each </a:t>
+            </a:r>
+            <a:r>
+              <a:rPr lang="en-US" sz="2400" dirty="0" smtClean="0"/>
+              <a:t>with </a:t>
             </a:r>
             <a:br>
-              <a:rPr lang="en-US" dirty="0" smtClean="0"/>
+              <a:rPr lang="en-US" sz="2400" dirty="0" smtClean="0"/>
             </a:br>
             <a:r>
-              <a:rPr lang="en-US" dirty="0" smtClean="0"/>
-              <a:t>of each discount</a:t>
+              <a:rPr lang="en-US" sz="2400" dirty="0" smtClean="0"/>
+              <a:t>respect to </a:t>
+            </a:r>
+            <a:r>
+              <a:rPr lang="en-US" sz="2400" dirty="0" smtClean="0"/>
+              <a:t>the </a:t>
             </a:r>
             <a:br>
-              <a:rPr lang="en-US" dirty="0" smtClean="0"/>
+              <a:rPr lang="en-US" sz="2400" dirty="0" smtClean="0"/>
             </a:br>
             <a:r>
-              <a:rPr lang="en-US" dirty="0" smtClean="0"/>
-              <a:t>level and the</a:t>
-            </a:r>
-            <a:br>
-              <a:rPr lang="en-US" dirty="0" smtClean="0"/>
-            </a:br>
-            <a:r>
-              <a:rPr lang="en-US" dirty="0" smtClean="0"/>
-              <a:t>mean sales by </a:t>
-            </a:r>
-            <a:br>
-              <a:rPr lang="en-US" dirty="0" smtClean="0"/>
-            </a:br>
-            <a:r>
-              <a:rPr lang="en-US" dirty="0" smtClean="0"/>
-              <a:t>quantity of the </a:t>
-            </a:r>
-            <a:br>
-              <a:rPr lang="en-US" dirty="0" smtClean="0"/>
-            </a:br>
-            <a:r>
-              <a:rPr lang="en-US" dirty="0" smtClean="0"/>
-              <a:t>non-discount </a:t>
-            </a:r>
-            <a:br>
-              <a:rPr lang="en-US" dirty="0" smtClean="0"/>
-            </a:br>
-            <a:r>
-              <a:rPr lang="en-US" dirty="0" smtClean="0"/>
-              <a:t>sales</a:t>
-            </a:r>
+              <a:rPr lang="en-US" sz="2400" dirty="0" smtClean="0"/>
+              <a:t>non-discount sales</a:t>
+            </a:r>
+            <a:endParaRPr lang="en-US" sz="2400" dirty="0" smtClean="0"/>
           </a:p>
           <a:p>
             <a:pPr marL="137160" indent="0">
@@ -4255,423 +4237,22 @@
         </p:nvSpPr>
         <p:spPr/>
         <p:txBody>
-          <a:bodyPr/>
+          <a:bodyPr>
+            <a:normAutofit lnSpcReduction="10000"/>
+          </a:bodyPr>
           <a:lstStyle/>
           <a:p>
             <a:r>
               <a:rPr lang="en-US" dirty="0" smtClean="0"/>
-              <a:t>Finding a range that will find the best products </a:t>
-            </a:r>
-            <a:endParaRPr lang="en-US" dirty="0"/>
-          </a:p>
-        </p:txBody>
-      </p:sp>
-      <p:pic>
-        <p:nvPicPr>
-          <p:cNvPr id="2050" name="Picture 2"/>
-          <p:cNvPicPr>
-            <a:picLocks noChangeAspect="1" noChangeArrowheads="1"/>
-          </p:cNvPicPr>
-          <p:nvPr/>
-        </p:nvPicPr>
-        <p:blipFill>
-          <a:blip r:embed="rId2">
-            <a:extLst>
-              <a:ext uri="{28A0092B-C50C-407E-A947-70E740481C1C}">
-                <a14:useLocalDpi xmlns:a14="http://schemas.microsoft.com/office/drawing/2010/main" val="0"/>
-              </a:ext>
-            </a:extLst>
-          </a:blip>
-          <a:srcRect/>
-          <a:stretch>
-            <a:fillRect/>
-          </a:stretch>
-        </p:blipFill>
-        <p:spPr bwMode="auto">
-          <a:xfrm>
-            <a:off x="381000" y="2133600"/>
-            <a:ext cx="8419446" cy="4603194"/>
-          </a:xfrm>
-          <a:prstGeom prst="rect">
-            <a:avLst/>
-          </a:prstGeom>
-          <a:noFill/>
-          <a:ln>
-            <a:noFill/>
-          </a:ln>
-          <a:extLst>
-            <a:ext uri="{909E8E84-426E-40DD-AFC4-6F175D3DCCD1}">
-              <a14:hiddenFill xmlns:a14="http://schemas.microsoft.com/office/drawing/2010/main">
-                <a:solidFill>
-                  <a:schemeClr val="accent1"/>
-                </a:solidFill>
-              </a14:hiddenFill>
-            </a:ext>
-            <a:ext uri="{91240B29-F687-4F45-9708-019B960494DF}">
-              <a14:hiddenLine xmlns:a14="http://schemas.microsoft.com/office/drawing/2010/main" w="9525">
-                <a:solidFill>
-                  <a:schemeClr val="tx1"/>
-                </a:solidFill>
-                <a:miter lim="800000"/>
-                <a:headEnd/>
-                <a:tailEnd/>
-              </a14:hiddenLine>
-            </a:ext>
-          </a:extLst>
-        </p:spPr>
-      </p:pic>
-    </p:spTree>
-    <p:extLst>
-      <p:ext uri="{BB962C8B-B14F-4D97-AF65-F5344CB8AC3E}">
-        <p14:creationId xmlns:p14="http://schemas.microsoft.com/office/powerpoint/2010/main" val="3372631038"/>
-      </p:ext>
-    </p:extLst>
-  </p:cSld>
-  <p:clrMapOvr>
-    <a:masterClrMapping/>
-  </p:clrMapOvr>
-  <p:timing>
-    <p:tnLst>
-      <p:par>
-        <p:cTn id="1" dur="indefinite" restart="never" nodeType="tmRoot">
-          <p:childTnLst>
-            <p:seq concurrent="1" nextAc="seek">
-              <p:cTn id="2" dur="indefinite" nodeType="mainSeq">
-                <p:childTnLst>
-                  <p:par>
-                    <p:cTn id="3" fill="hold">
-                      <p:stCondLst>
-                        <p:cond delay="indefinite"/>
-                      </p:stCondLst>
-                      <p:childTnLst>
-                        <p:par>
-                          <p:cTn id="4" fill="hold">
-                            <p:stCondLst>
-                              <p:cond delay="0"/>
-                            </p:stCondLst>
-                            <p:childTnLst>
-                              <p:par>
-                                <p:cTn id="5" presetID="6" presetClass="entr" presetSubtype="16" fill="hold" grpId="0" nodeType="clickEffect">
-                                  <p:stCondLst>
-                                    <p:cond delay="0"/>
-                                  </p:stCondLst>
-                                  <p:childTnLst>
-                                    <p:set>
-                                      <p:cBhvr>
-                                        <p:cTn id="6" dur="1" fill="hold">
-                                          <p:stCondLst>
-                                            <p:cond delay="0"/>
-                                          </p:stCondLst>
-                                        </p:cTn>
-                                        <p:tgtEl>
-                                          <p:spTgt spid="2"/>
-                                        </p:tgtEl>
-                                        <p:attrNameLst>
-                                          <p:attrName>style.visibility</p:attrName>
-                                        </p:attrNameLst>
-                                      </p:cBhvr>
-                                      <p:to>
-                                        <p:strVal val="visible"/>
-                                      </p:to>
-                                    </p:set>
-                                    <p:animEffect transition="in" filter="circle(in)">
-                                      <p:cBhvr>
-                                        <p:cTn id="7" dur="2000"/>
-                                        <p:tgtEl>
-                                          <p:spTgt spid="2"/>
-                                        </p:tgtEl>
-                                      </p:cBhvr>
-                                    </p:animEffect>
-                                  </p:childTnLst>
-                                </p:cTn>
-                              </p:par>
-                            </p:childTnLst>
-                          </p:cTn>
-                        </p:par>
-                      </p:childTnLst>
-                    </p:cTn>
-                  </p:par>
-                  <p:par>
-                    <p:cTn id="8" fill="hold">
-                      <p:stCondLst>
-                        <p:cond delay="indefinite"/>
-                      </p:stCondLst>
-                      <p:childTnLst>
-                        <p:par>
-                          <p:cTn id="9" fill="hold">
-                            <p:stCondLst>
-                              <p:cond delay="0"/>
-                            </p:stCondLst>
-                            <p:childTnLst>
-                              <p:par>
-                                <p:cTn id="10" presetID="2" presetClass="entr" presetSubtype="4" fill="hold" grpId="0" nodeType="clickEffect">
-                                  <p:stCondLst>
-                                    <p:cond delay="0"/>
-                                  </p:stCondLst>
-                                  <p:childTnLst>
-                                    <p:set>
-                                      <p:cBhvr>
-                                        <p:cTn id="11" dur="1" fill="hold">
-                                          <p:stCondLst>
-                                            <p:cond delay="0"/>
-                                          </p:stCondLst>
-                                        </p:cTn>
-                                        <p:tgtEl>
-                                          <p:spTgt spid="3">
-                                            <p:txEl>
-                                              <p:pRg st="0" end="0"/>
-                                            </p:txEl>
-                                          </p:spTgt>
-                                        </p:tgtEl>
-                                        <p:attrNameLst>
-                                          <p:attrName>style.visibility</p:attrName>
-                                        </p:attrNameLst>
-                                      </p:cBhvr>
-                                      <p:to>
-                                        <p:strVal val="visible"/>
-                                      </p:to>
-                                    </p:set>
-                                    <p:anim calcmode="lin" valueType="num">
-                                      <p:cBhvr additive="base">
-                                        <p:cTn id="12" dur="1000" fill="hold"/>
-                                        <p:tgtEl>
-                                          <p:spTgt spid="3">
-                                            <p:txEl>
-                                              <p:pRg st="0" end="0"/>
-                                            </p:txEl>
-                                          </p:spTgt>
-                                        </p:tgtEl>
-                                        <p:attrNameLst>
-                                          <p:attrName>ppt_x</p:attrName>
-                                        </p:attrNameLst>
-                                      </p:cBhvr>
-                                      <p:tavLst>
-                                        <p:tav tm="0">
-                                          <p:val>
-                                            <p:strVal val="#ppt_x"/>
-                                          </p:val>
-                                        </p:tav>
-                                        <p:tav tm="100000">
-                                          <p:val>
-                                            <p:strVal val="#ppt_x"/>
-                                          </p:val>
-                                        </p:tav>
-                                      </p:tavLst>
-                                    </p:anim>
-                                    <p:anim calcmode="lin" valueType="num">
-                                      <p:cBhvr additive="base">
-                                        <p:cTn id="13" dur="1000" fill="hold"/>
-                                        <p:tgtEl>
-                                          <p:spTgt spid="3">
-                                            <p:txEl>
-                                              <p:pRg st="0" end="0"/>
-                                            </p:txEl>
-                                          </p:spTgt>
-                                        </p:tgtEl>
-                                        <p:attrNameLst>
-                                          <p:attrName>ppt_y</p:attrName>
-                                        </p:attrNameLst>
-                                      </p:cBhvr>
-                                      <p:tavLst>
-                                        <p:tav tm="0">
-                                          <p:val>
-                                            <p:strVal val="1+#ppt_h/2"/>
-                                          </p:val>
-                                        </p:tav>
-                                        <p:tav tm="100000">
-                                          <p:val>
-                                            <p:strVal val="#ppt_y"/>
-                                          </p:val>
-                                        </p:tav>
-                                      </p:tavLst>
-                                    </p:anim>
-                                  </p:childTnLst>
-                                </p:cTn>
-                              </p:par>
-                            </p:childTnLst>
-                          </p:cTn>
-                        </p:par>
-                      </p:childTnLst>
-                    </p:cTn>
-                  </p:par>
-                  <p:par>
-                    <p:cTn id="14" fill="hold">
-                      <p:stCondLst>
-                        <p:cond delay="indefinite"/>
-                      </p:stCondLst>
-                      <p:childTnLst>
-                        <p:par>
-                          <p:cTn id="15" fill="hold">
-                            <p:stCondLst>
-                              <p:cond delay="0"/>
-                            </p:stCondLst>
-                            <p:childTnLst>
-                              <p:par>
-                                <p:cTn id="16" presetID="2" presetClass="entr" presetSubtype="4" fill="hold" nodeType="clickEffect">
-                                  <p:stCondLst>
-                                    <p:cond delay="0"/>
-                                  </p:stCondLst>
-                                  <p:childTnLst>
-                                    <p:set>
-                                      <p:cBhvr>
-                                        <p:cTn id="17" dur="1" fill="hold">
-                                          <p:stCondLst>
-                                            <p:cond delay="0"/>
-                                          </p:stCondLst>
-                                        </p:cTn>
-                                        <p:tgtEl>
-                                          <p:spTgt spid="2050"/>
-                                        </p:tgtEl>
-                                        <p:attrNameLst>
-                                          <p:attrName>style.visibility</p:attrName>
-                                        </p:attrNameLst>
-                                      </p:cBhvr>
-                                      <p:to>
-                                        <p:strVal val="visible"/>
-                                      </p:to>
-                                    </p:set>
-                                    <p:anim calcmode="lin" valueType="num">
-                                      <p:cBhvr additive="base">
-                                        <p:cTn id="18" dur="1000" fill="hold"/>
-                                        <p:tgtEl>
-                                          <p:spTgt spid="2050"/>
-                                        </p:tgtEl>
-                                        <p:attrNameLst>
-                                          <p:attrName>ppt_x</p:attrName>
-                                        </p:attrNameLst>
-                                      </p:cBhvr>
-                                      <p:tavLst>
-                                        <p:tav tm="0">
-                                          <p:val>
-                                            <p:strVal val="#ppt_x"/>
-                                          </p:val>
-                                        </p:tav>
-                                        <p:tav tm="100000">
-                                          <p:val>
-                                            <p:strVal val="#ppt_x"/>
-                                          </p:val>
-                                        </p:tav>
-                                      </p:tavLst>
-                                    </p:anim>
-                                    <p:anim calcmode="lin" valueType="num">
-                                      <p:cBhvr additive="base">
-                                        <p:cTn id="19" dur="1000" fill="hold"/>
-                                        <p:tgtEl>
-                                          <p:spTgt spid="2050"/>
-                                        </p:tgtEl>
-                                        <p:attrNameLst>
-                                          <p:attrName>ppt_y</p:attrName>
-                                        </p:attrNameLst>
-                                      </p:cBhvr>
-                                      <p:tavLst>
-                                        <p:tav tm="0">
-                                          <p:val>
-                                            <p:strVal val="1+#ppt_h/2"/>
-                                          </p:val>
-                                        </p:tav>
-                                        <p:tav tm="100000">
-                                          <p:val>
-                                            <p:strVal val="#ppt_y"/>
-                                          </p:val>
-                                        </p:tav>
-                                      </p:tavLst>
-                                    </p:anim>
-                                  </p:childTnLst>
-                                </p:cTn>
-                              </p:par>
-                            </p:childTnLst>
-                          </p:cTn>
-                        </p:par>
-                      </p:childTnLst>
-                    </p:cTn>
-                  </p:par>
-                </p:childTnLst>
-              </p:cTn>
-              <p:prevCondLst>
-                <p:cond evt="onPrev" delay="0">
-                  <p:tgtEl>
-                    <p:sldTgt/>
-                  </p:tgtEl>
-                </p:cond>
-              </p:prevCondLst>
-              <p:nextCondLst>
-                <p:cond evt="onNext" delay="0">
-                  <p:tgtEl>
-                    <p:sldTgt/>
-                  </p:tgtEl>
-                </p:cond>
-              </p:nextCondLst>
-            </p:seq>
-          </p:childTnLst>
-        </p:cTn>
-      </p:par>
-    </p:tnLst>
-    <p:bldLst>
-      <p:bldP spid="2" grpId="0"/>
-      <p:bldP spid="3" grpId="0" build="p"/>
-    </p:bldLst>
-  </p:timing>
-</p:sld>
-</file>
-
-<file path=ppt/slides/slide4.xml><?xml version="1.0" encoding="utf-8"?>
-<p:sld xmlns:a="http://schemas.openxmlformats.org/drawingml/2006/main" xmlns:r="http://schemas.openxmlformats.org/officeDocument/2006/relationships" xmlns:p="http://schemas.openxmlformats.org/presentationml/2006/main">
-  <p:cSld>
-    <p:spTree>
-      <p:nvGrpSpPr>
-        <p:cNvPr id="1" name=""/>
-        <p:cNvGrpSpPr/>
-        <p:nvPr/>
-      </p:nvGrpSpPr>
-      <p:grpSpPr>
-        <a:xfrm>
-          <a:off x="0" y="0"/>
-          <a:ext cx="0" cy="0"/>
-          <a:chOff x="0" y="0"/>
-          <a:chExt cx="0" cy="0"/>
-        </a:xfrm>
-      </p:grpSpPr>
-      <p:sp>
-        <p:nvSpPr>
-          <p:cNvPr id="2" name="Title 1"/>
-          <p:cNvSpPr>
-            <a:spLocks noGrp="1"/>
-          </p:cNvSpPr>
-          <p:nvPr>
-            <p:ph type="title"/>
-          </p:nvPr>
-        </p:nvSpPr>
-        <p:spPr/>
-        <p:txBody>
-          <a:bodyPr/>
-          <a:lstStyle/>
-          <a:p>
+              <a:t>Mean &gt; </a:t>
+            </a:r>
             <a:r>
               <a:rPr lang="en-US" dirty="0" smtClean="0"/>
-              <a:t>Product sales by product</a:t>
-            </a:r>
-            <a:endParaRPr lang="en-US" dirty="0"/>
-          </a:p>
-        </p:txBody>
-      </p:sp>
-      <p:sp>
-        <p:nvSpPr>
-          <p:cNvPr id="3" name="Content Placeholder 2"/>
-          <p:cNvSpPr>
-            <a:spLocks noGrp="1"/>
-          </p:cNvSpPr>
-          <p:nvPr>
-            <p:ph idx="1"/>
-          </p:nvPr>
-        </p:nvSpPr>
-        <p:spPr/>
-        <p:txBody>
-          <a:bodyPr/>
-          <a:lstStyle/>
-          <a:p>
+              <a:t>26 &amp;</a:t>
+            </a:r>
             <a:r>
               <a:rPr lang="en-US" dirty="0" smtClean="0"/>
-              <a:t>Mean &gt; 26</a:t>
+              <a:t/>
             </a:r>
             <a:br>
               <a:rPr lang="en-US" dirty="0" smtClean="0"/>
@@ -4695,14 +4276,37 @@
           <a:p>
             <a:r>
               <a:rPr lang="en-US" dirty="0" smtClean="0"/>
-              <a:t>Total ordered</a:t>
+              <a:t>Total </a:t>
+            </a:r>
+            <a:r>
+              <a:rPr lang="en-US" dirty="0" smtClean="0"/>
+              <a:t>items </a:t>
             </a:r>
             <a:br>
               <a:rPr lang="en-US" dirty="0" smtClean="0"/>
             </a:br>
             <a:r>
               <a:rPr lang="en-US" dirty="0" smtClean="0"/>
-              <a:t>over 1015, that</a:t>
+              <a:t>ordered</a:t>
+            </a:r>
+            <a:r>
+              <a:rPr lang="en-US" dirty="0"/>
+              <a:t> </a:t>
+            </a:r>
+            <a:r>
+              <a:rPr lang="en-US" dirty="0" smtClean="0"/>
+              <a:t>over </a:t>
+            </a:r>
+            <a:br>
+              <a:rPr lang="en-US" dirty="0" smtClean="0"/>
+            </a:br>
+            <a:r>
+              <a:rPr lang="en-US" dirty="0" smtClean="0"/>
+              <a:t>1015</a:t>
+            </a:r>
+            <a:r>
+              <a:rPr lang="en-US" dirty="0" smtClean="0"/>
+              <a:t>, that</a:t>
             </a:r>
             <a:br>
               <a:rPr lang="en-US" dirty="0" smtClean="0"/>
@@ -4742,7 +4346,7 @@
           </p:cNvPicPr>
           <p:nvPr/>
         </p:nvPicPr>
-        <p:blipFill>
+        <p:blipFill rotWithShape="1">
           <a:blip r:embed="rId2">
             <a:extLst>
               <a:ext uri="{28A0092B-C50C-407E-A947-70E740481C1C}">
@@ -4750,15 +4354,13 @@
               </a:ext>
             </a:extLst>
           </a:blip>
-          <a:srcRect/>
-          <a:stretch>
-            <a:fillRect/>
-          </a:stretch>
+          <a:srcRect l="6342"/>
+          <a:stretch/>
         </p:blipFill>
         <p:spPr bwMode="auto">
           <a:xfrm>
-            <a:off x="3657600" y="1371600"/>
-            <a:ext cx="4991100" cy="1924050"/>
+            <a:off x="3974122" y="1356946"/>
+            <a:ext cx="4674577" cy="1924050"/>
           </a:xfrm>
           <a:prstGeom prst="rect">
             <a:avLst/>
@@ -4796,7 +4398,7 @@
           </p:cNvPicPr>
           <p:nvPr/>
         </p:nvPicPr>
-        <p:blipFill>
+        <p:blipFill rotWithShape="1">
           <a:blip r:embed="rId3">
             <a:extLst>
               <a:ext uri="{28A0092B-C50C-407E-A947-70E740481C1C}">
@@ -4804,15 +4406,13 @@
               </a:ext>
             </a:extLst>
           </a:blip>
-          <a:srcRect/>
-          <a:stretch>
-            <a:fillRect/>
-          </a:stretch>
+          <a:srcRect l="6342"/>
+          <a:stretch/>
         </p:blipFill>
         <p:spPr bwMode="auto">
           <a:xfrm>
-            <a:off x="3657600" y="3505200"/>
-            <a:ext cx="4991100" cy="1892177"/>
+            <a:off x="3974122" y="3505200"/>
+            <a:ext cx="4674578" cy="1892177"/>
           </a:xfrm>
           <a:prstGeom prst="rect">
             <a:avLst/>
@@ -4842,6 +4442,56 @@
           </a:extLst>
         </p:spPr>
       </p:pic>
+      <p:sp>
+        <p:nvSpPr>
+          <p:cNvPr id="4" name="Rectangle 3"/>
+          <p:cNvSpPr/>
+          <p:nvPr/>
+        </p:nvSpPr>
+        <p:spPr>
+          <a:xfrm>
+            <a:off x="3974122" y="2895600"/>
+            <a:ext cx="4674577" cy="304800"/>
+          </a:xfrm>
+          <a:prstGeom prst="rect">
+            <a:avLst/>
+          </a:prstGeom>
+          <a:solidFill>
+            <a:srgbClr val="FFFF00">
+              <a:alpha val="36000"/>
+            </a:srgbClr>
+          </a:solidFill>
+          <a:ln>
+            <a:solidFill>
+              <a:srgbClr val="FFFF00"/>
+            </a:solidFill>
+          </a:ln>
+        </p:spPr>
+        <p:style>
+          <a:lnRef idx="2">
+            <a:schemeClr val="accent1">
+              <a:shade val="50000"/>
+            </a:schemeClr>
+          </a:lnRef>
+          <a:fillRef idx="1">
+            <a:schemeClr val="accent1"/>
+          </a:fillRef>
+          <a:effectRef idx="0">
+            <a:schemeClr val="accent1"/>
+          </a:effectRef>
+          <a:fontRef idx="minor">
+            <a:schemeClr val="lt1"/>
+          </a:fontRef>
+        </p:style>
+        <p:txBody>
+          <a:bodyPr rtlCol="0" anchor="ctr"/>
+          <a:lstStyle/>
+          <a:p>
+            <a:pPr algn="ctr"/>
+            <a:endParaRPr lang="en-US"/>
+          </a:p>
+        </p:txBody>
+      </p:sp>
     </p:spTree>
     <p:extLst>
       <p:ext uri="{BB962C8B-B14F-4D97-AF65-F5344CB8AC3E}">
@@ -5383,6 +5033,50 @@
                             </p:childTnLst>
                           </p:cTn>
                         </p:par>
+                        <p:par>
+                          <p:cTn id="36" fill="hold">
+                            <p:stCondLst>
+                              <p:cond delay="1000"/>
+                            </p:stCondLst>
+                            <p:childTnLst>
+                              <p:par>
+                                <p:cTn id="37" presetID="22" presetClass="entr" presetSubtype="8" fill="hold" grpId="0" nodeType="afterEffect">
+                                  <p:stCondLst>
+                                    <p:cond delay="0"/>
+                                  </p:stCondLst>
+                                  <p:childTnLst>
+                                    <p:set>
+                                      <p:cBhvr>
+                                        <p:cTn id="38" dur="1" fill="hold">
+                                          <p:stCondLst>
+                                            <p:cond delay="0"/>
+                                          </p:stCondLst>
+                                        </p:cTn>
+                                        <p:tgtEl>
+                                          <p:spTgt spid="4"/>
+                                        </p:tgtEl>
+                                        <p:attrNameLst>
+                                          <p:attrName>style.visibility</p:attrName>
+                                        </p:attrNameLst>
+                                      </p:cBhvr>
+                                      <p:to>
+                                        <p:strVal val="visible"/>
+                                      </p:to>
+                                    </p:set>
+                                    <p:animEffect transition="in" filter="wipe(left)">
+                                      <p:cBhvr>
+                                        <p:cTn id="39" dur="1000"/>
+                                        <p:tgtEl>
+                                          <p:spTgt spid="4"/>
+                                        </p:tgtEl>
+                                      </p:cBhvr>
+                                    </p:animEffect>
+                                  </p:childTnLst>
+                                </p:cTn>
+                              </p:par>
+                            </p:childTnLst>
+                          </p:cTn>
+                        </p:par>
                       </p:childTnLst>
                     </p:cTn>
                   </p:par>
@@ -5410,12 +5104,13 @@
     <p:bldLst>
       <p:bldP spid="2" grpId="0"/>
       <p:bldP spid="3" grpId="0" uiExpand="1" build="p"/>
+      <p:bldP spid="4" grpId="0" animBg="1"/>
     </p:bldLst>
   </p:timing>
 </p:sld>
 </file>
 
-<file path=ppt/slides/slide5.xml><?xml version="1.0" encoding="utf-8"?>
+<file path=ppt/slides/slide4.xml><?xml version="1.0" encoding="utf-8"?>
 <p:sld xmlns:a="http://schemas.openxmlformats.org/drawingml/2006/main" xmlns:r="http://schemas.openxmlformats.org/officeDocument/2006/relationships" xmlns:p="http://schemas.openxmlformats.org/presentationml/2006/main">
   <p:cSld>
     <p:spTree>
@@ -5513,6 +5208,176 @@
           </a:extLst>
         </p:spPr>
       </p:pic>
+      <p:sp>
+        <p:nvSpPr>
+          <p:cNvPr id="3" name="TextBox 2"/>
+          <p:cNvSpPr txBox="1"/>
+          <p:nvPr/>
+        </p:nvSpPr>
+        <p:spPr>
+          <a:xfrm>
+            <a:off x="1600200" y="1447800"/>
+            <a:ext cx="990600" cy="1371600"/>
+          </a:xfrm>
+          <a:prstGeom prst="rect">
+            <a:avLst/>
+          </a:prstGeom>
+          <a:noFill/>
+        </p:spPr>
+        <p:txBody>
+          <a:bodyPr wrap="square" rtlCol="0">
+            <a:spAutoFit/>
+          </a:bodyPr>
+          <a:lstStyle/>
+          <a:p>
+            <a:endParaRPr lang="en-US" dirty="0"/>
+          </a:p>
+        </p:txBody>
+      </p:sp>
+      <p:sp>
+        <p:nvSpPr>
+          <p:cNvPr id="5" name="Rectangle 4"/>
+          <p:cNvSpPr>
+            <a:spLocks noChangeArrowheads="1"/>
+          </p:cNvSpPr>
+          <p:nvPr/>
+        </p:nvSpPr>
+        <p:spPr bwMode="auto">
+          <a:xfrm>
+            <a:off x="1638300" y="1524000"/>
+            <a:ext cx="1333500" cy="1354217"/>
+          </a:xfrm>
+          <a:prstGeom prst="rect">
+            <a:avLst/>
+          </a:prstGeom>
+          <a:solidFill>
+            <a:srgbClr val="FFFFFF"/>
+          </a:solidFill>
+          <a:ln>
+            <a:noFill/>
+          </a:ln>
+          <a:effectLst/>
+          <a:extLst>
+            <a:ext uri="{91240B29-F687-4F45-9708-019B960494DF}">
+              <a14:hiddenLine xmlns:a14="http://schemas.microsoft.com/office/drawing/2010/main" w="9525">
+                <a:solidFill>
+                  <a:schemeClr val="tx1"/>
+                </a:solidFill>
+                <a:miter lim="800000"/>
+                <a:headEnd/>
+                <a:tailEnd/>
+              </a14:hiddenLine>
+            </a:ext>
+            <a:ext uri="{AF507438-7753-43E0-B8FC-AC1667EBCBE1}">
+              <a14:hiddenEffects xmlns:a14="http://schemas.microsoft.com/office/drawing/2010/main">
+                <a:effectLst>
+                  <a:outerShdw dist="35921" dir="2700000" algn="ctr" rotWithShape="0">
+                    <a:schemeClr val="bg2"/>
+                  </a:outerShdw>
+                </a:effectLst>
+              </a14:hiddenEffects>
+            </a:ext>
+          </a:extLst>
+        </p:spPr>
+        <p:txBody>
+          <a:bodyPr vert="horz" wrap="square" lIns="0" tIns="0" rIns="0" bIns="0" numCol="1" anchor="ctr" anchorCtr="0" compatLnSpc="1">
+            <a:prstTxWarp prst="textNoShape">
+              <a:avLst/>
+            </a:prstTxWarp>
+            <a:spAutoFit/>
+          </a:bodyPr>
+          <a:lstStyle/>
+          <a:p>
+            <a:pPr marL="0" marR="0" lvl="0" indent="0" algn="l" defTabSz="914400" rtl="0" eaLnBrk="1" fontAlgn="base" latinLnBrk="0" hangingPunct="1">
+              <a:lnSpc>
+                <a:spcPct val="100000"/>
+              </a:lnSpc>
+              <a:spcBef>
+                <a:spcPct val="0"/>
+              </a:spcBef>
+              <a:spcAft>
+                <a:spcPct val="0"/>
+              </a:spcAft>
+              <a:buClrTx/>
+              <a:buSzTx/>
+              <a:buFontTx/>
+              <a:buNone/>
+              <a:tabLst/>
+            </a:pPr>
+            <a:r>
+              <a:rPr kumimoji="0" lang="en-US" altLang="en-US" sz="1100" b="1" i="0" u="none" strike="noStrike" cap="none" normalizeH="0" baseline="0" dirty="0" smtClean="0">
+                <a:ln>
+                  <a:noFill/>
+                </a:ln>
+                <a:solidFill>
+                  <a:srgbClr val="000000"/>
+                </a:solidFill>
+                <a:effectLst/>
+                <a:latin typeface="Courier New" pitchFamily="49" charset="0"/>
+                <a:cs typeface="Courier New" pitchFamily="49" charset="0"/>
+              </a:rPr>
+              <a:t>Beverages Condiments Confections Dairy Products Grains/Cereals Meat/Poultry Produce</a:t>
+            </a:r>
+          </a:p>
+          <a:p>
+            <a:pPr marL="0" marR="0" lvl="0" indent="0" algn="l" defTabSz="914400" rtl="0" eaLnBrk="1" fontAlgn="base" latinLnBrk="0" hangingPunct="1">
+              <a:lnSpc>
+                <a:spcPct val="100000"/>
+              </a:lnSpc>
+              <a:spcBef>
+                <a:spcPct val="0"/>
+              </a:spcBef>
+              <a:spcAft>
+                <a:spcPct val="0"/>
+              </a:spcAft>
+              <a:buClrTx/>
+              <a:buSzTx/>
+              <a:buFontTx/>
+              <a:buNone/>
+              <a:tabLst/>
+            </a:pPr>
+            <a:r>
+              <a:rPr kumimoji="0" lang="en-US" altLang="en-US" sz="1100" b="1" i="0" u="none" strike="noStrike" cap="none" normalizeH="0" baseline="0" dirty="0" smtClean="0">
+                <a:ln>
+                  <a:noFill/>
+                </a:ln>
+                <a:solidFill>
+                  <a:srgbClr val="000000"/>
+                </a:solidFill>
+                <a:effectLst/>
+                <a:latin typeface="Courier New" pitchFamily="49" charset="0"/>
+                <a:cs typeface="Courier New" pitchFamily="49" charset="0"/>
+              </a:rPr>
+              <a:t>Seafood</a:t>
+            </a:r>
+            <a:r>
+              <a:rPr kumimoji="0" lang="en-US" altLang="en-US" sz="800" b="1" i="0" u="none" strike="noStrike" cap="none" normalizeH="0" baseline="0" dirty="0" smtClean="0">
+                <a:ln>
+                  <a:noFill/>
+                </a:ln>
+                <a:solidFill>
+                  <a:schemeClr val="tx1"/>
+                </a:solidFill>
+                <a:effectLst/>
+                <a:latin typeface="Arial" pitchFamily="34" charset="0"/>
+                <a:cs typeface="Arial" pitchFamily="34" charset="0"/>
+              </a:rPr>
+              <a:t> </a:t>
+            </a:r>
+            <a:endParaRPr kumimoji="0" lang="en-US" altLang="en-US" sz="2400" b="1" i="0" u="none" strike="noStrike" cap="none" normalizeH="0" baseline="0" dirty="0" smtClean="0">
+              <a:ln>
+                <a:noFill/>
+              </a:ln>
+              <a:solidFill>
+                <a:schemeClr val="tx1"/>
+              </a:solidFill>
+              <a:effectLst/>
+              <a:latin typeface="Arial" pitchFamily="34" charset="0"/>
+              <a:cs typeface="Arial" pitchFamily="34" charset="0"/>
+            </a:endParaRPr>
+          </a:p>
+        </p:txBody>
+      </p:sp>
     </p:spTree>
     <p:extLst>
       <p:ext uri="{BB962C8B-B14F-4D97-AF65-F5344CB8AC3E}">
@@ -5703,7 +5568,7 @@
 </p:sld>
 </file>
 
-<file path=ppt/slides/slide6.xml><?xml version="1.0" encoding="utf-8"?>
+<file path=ppt/slides/slide5.xml><?xml version="1.0" encoding="utf-8"?>
 <p:sld xmlns:a="http://schemas.openxmlformats.org/drawingml/2006/main" xmlns:r="http://schemas.openxmlformats.org/officeDocument/2006/relationships" xmlns:p="http://schemas.openxmlformats.org/presentationml/2006/main">
   <p:cSld>
     <p:spTree>
@@ -6164,7 +6029,7 @@
 </p:sld>
 </file>
 
-<file path=ppt/slides/slide7.xml><?xml version="1.0" encoding="utf-8"?>
+<file path=ppt/slides/slide6.xml><?xml version="1.0" encoding="utf-8"?>
 <p:sld xmlns:a="http://schemas.openxmlformats.org/drawingml/2006/main" xmlns:r="http://schemas.openxmlformats.org/officeDocument/2006/relationships" xmlns:p="http://schemas.openxmlformats.org/presentationml/2006/main">
   <p:cSld>
     <p:spTree>
@@ -6216,9 +6081,16 @@
             <p:ph idx="1"/>
           </p:nvPr>
         </p:nvSpPr>
-        <p:spPr/>
+        <p:spPr>
+          <a:xfrm>
+            <a:off x="457200" y="1600200"/>
+            <a:ext cx="8229600" cy="4953000"/>
+          </a:xfrm>
+        </p:spPr>
         <p:txBody>
-          <a:bodyPr/>
+          <a:bodyPr>
+            <a:normAutofit fontScale="92500" lnSpcReduction="10000"/>
+          </a:bodyPr>
           <a:lstStyle/>
           <a:p>
             <a:pPr marL="651510" indent="-514350">
@@ -6283,8 +6155,24 @@
               <a:t>on seeing what other products can be sold in categories </a:t>
             </a:r>
             <a:r>
+              <a:rPr lang="en-US" altLang="en-US" dirty="0"/>
+              <a:t>Beverages</a:t>
+            </a:r>
+            <a:r>
+              <a:rPr lang="en-US" altLang="en-US" dirty="0" smtClean="0"/>
+              <a:t>, Confections </a:t>
+            </a:r>
+            <a:r>
+              <a:rPr lang="en-US" altLang="en-US" dirty="0"/>
+              <a:t>Dairy Products </a:t>
+            </a:r>
+            <a:r>
+              <a:rPr lang="en-US" altLang="en-US" dirty="0" smtClean="0"/>
+              <a:t>and Seafood.</a:t>
+            </a:r>
+            <a:r>
               <a:rPr lang="en-US" dirty="0" smtClean="0"/>
-              <a:t>1,3,4 and 8 </a:t>
+              <a:t/>
             </a:r>
             <a:br>
               <a:rPr lang="en-US" dirty="0" smtClean="0"/>
@@ -6295,11 +6183,19 @@
             </a:r>
             <a:r>
               <a:rPr lang="en-US" dirty="0"/>
-              <a:t>the same time try to get better at selling in the other categories </a:t>
-            </a:r>
-            <a:r>
-              <a:rPr lang="en-US" dirty="0" smtClean="0"/>
-              <a:t>2,5,6 and 7</a:t>
+              <a:t>the same time try to get better at selling in </a:t>
+            </a:r>
+            <a:r>
+              <a:rPr lang="en-US"/>
+              <a:t>the </a:t>
+            </a:r>
+            <a:r>
+              <a:rPr lang="en-US" smtClean="0"/>
+              <a:t>categories </a:t>
+            </a:r>
+            <a:r>
+              <a:rPr lang="en-US" altLang="en-US" dirty="0" smtClean="0"/>
+              <a:t>Condiments,  Grains/Cereals, Meat/Poultry and Produce.</a:t>
             </a:r>
           </a:p>
           <a:p>
@@ -6307,8 +6203,12 @@
               <a:buAutoNum type="arabicPeriod"/>
             </a:pPr>
             <a:r>
+              <a:rPr lang="en-US" dirty="0" smtClean="0"/>
+              <a:t>I </a:t>
+            </a:r>
+            <a:r>
               <a:rPr lang="en-US" dirty="0"/>
-              <a:t>I can not make any </a:t>
+              <a:t>can not make any </a:t>
             </a:r>
             <a:r>
               <a:rPr lang="en-US" dirty="0" smtClean="0"/>
@@ -6878,7 +6778,7 @@
 </p:sld>
 </file>
 
-<file path=ppt/slides/slide8.xml><?xml version="1.0" encoding="utf-8"?>
+<file path=ppt/slides/slide7.xml><?xml version="1.0" encoding="utf-8"?>
 <p:sld xmlns:a="http://schemas.openxmlformats.org/drawingml/2006/main" xmlns:r="http://schemas.openxmlformats.org/officeDocument/2006/relationships" xmlns:p="http://schemas.openxmlformats.org/presentationml/2006/main">
   <p:cSld>
     <p:spTree>
@@ -7552,7 +7452,7 @@
 </p:sld>
 </file>
 
-<file path=ppt/slides/slide9.xml><?xml version="1.0" encoding="utf-8"?>
+<file path=ppt/slides/slide8.xml><?xml version="1.0" encoding="utf-8"?>
 <p:sld xmlns:a="http://schemas.openxmlformats.org/drawingml/2006/main" xmlns:r="http://schemas.openxmlformats.org/officeDocument/2006/relationships" xmlns:p="http://schemas.openxmlformats.org/presentationml/2006/main">
   <p:cSld>
     <p:spTree>
